--- a/一首讚美的詩歌.pptx
+++ b/一首讚美的詩歌.pptx
@@ -9,6 +9,10 @@
     <p:sldId id="259" r:id="rId3"/>
     <p:sldId id="258" r:id="rId4"/>
     <p:sldId id="260" r:id="rId5"/>
+    <p:sldId id="261" r:id="rId6"/>
+    <p:sldId id="262" r:id="rId7"/>
+    <p:sldId id="263" r:id="rId8"/>
+    <p:sldId id="264" r:id="rId9"/>
   </p:sldIdLst>
   <p:sldSz cx="9144000" cy="5143500" type="screen16x9"/>
   <p:notesSz cx="6858000" cy="9144000"/>
@@ -291,7 +295,8 @@
           <a:p>
             <a:fld id="{AC437F70-6466-42FF-BF3B-62295FDEB6AD}" type="datetimeFigureOut">
               <a:rPr lang="zh-TW" altLang="en-US" smtClean="0"/>
-              <a:t>2019/9/28</a:t>
+              <a:pPr/>
+              <a:t>2020/2/4</a:t>
             </a:fld>
             <a:endParaRPr lang="zh-TW" altLang="en-US"/>
           </a:p>
@@ -333,6 +338,7 @@
           <a:p>
             <a:fld id="{46CB49DA-2D70-43D8-9607-1C4A686D7AB8}" type="slidenum">
               <a:rPr lang="zh-TW" altLang="en-US" smtClean="0"/>
+              <a:pPr/>
               <a:t>‹#›</a:t>
             </a:fld>
             <a:endParaRPr lang="zh-TW" altLang="en-US"/>
@@ -456,7 +462,8 @@
           <a:p>
             <a:fld id="{AC437F70-6466-42FF-BF3B-62295FDEB6AD}" type="datetimeFigureOut">
               <a:rPr lang="zh-TW" altLang="en-US" smtClean="0"/>
-              <a:t>2019/9/28</a:t>
+              <a:pPr/>
+              <a:t>2020/2/4</a:t>
             </a:fld>
             <a:endParaRPr lang="zh-TW" altLang="en-US"/>
           </a:p>
@@ -498,6 +505,7 @@
           <a:p>
             <a:fld id="{46CB49DA-2D70-43D8-9607-1C4A686D7AB8}" type="slidenum">
               <a:rPr lang="zh-TW" altLang="en-US" smtClean="0"/>
+              <a:pPr/>
               <a:t>‹#›</a:t>
             </a:fld>
             <a:endParaRPr lang="zh-TW" altLang="en-US"/>
@@ -631,7 +639,8 @@
           <a:p>
             <a:fld id="{AC437F70-6466-42FF-BF3B-62295FDEB6AD}" type="datetimeFigureOut">
               <a:rPr lang="zh-TW" altLang="en-US" smtClean="0"/>
-              <a:t>2019/9/28</a:t>
+              <a:pPr/>
+              <a:t>2020/2/4</a:t>
             </a:fld>
             <a:endParaRPr lang="zh-TW" altLang="en-US"/>
           </a:p>
@@ -673,6 +682,7 @@
           <a:p>
             <a:fld id="{46CB49DA-2D70-43D8-9607-1C4A686D7AB8}" type="slidenum">
               <a:rPr lang="zh-TW" altLang="en-US" smtClean="0"/>
+              <a:pPr/>
               <a:t>‹#›</a:t>
             </a:fld>
             <a:endParaRPr lang="zh-TW" altLang="en-US"/>
@@ -796,7 +806,8 @@
           <a:p>
             <a:fld id="{AC437F70-6466-42FF-BF3B-62295FDEB6AD}" type="datetimeFigureOut">
               <a:rPr lang="zh-TW" altLang="en-US" smtClean="0"/>
-              <a:t>2019/9/28</a:t>
+              <a:pPr/>
+              <a:t>2020/2/4</a:t>
             </a:fld>
             <a:endParaRPr lang="zh-TW" altLang="en-US"/>
           </a:p>
@@ -838,6 +849,7 @@
           <a:p>
             <a:fld id="{46CB49DA-2D70-43D8-9607-1C4A686D7AB8}" type="slidenum">
               <a:rPr lang="zh-TW" altLang="en-US" smtClean="0"/>
+              <a:pPr/>
               <a:t>‹#›</a:t>
             </a:fld>
             <a:endParaRPr lang="zh-TW" altLang="en-US"/>
@@ -1037,7 +1049,8 @@
           <a:p>
             <a:fld id="{AC437F70-6466-42FF-BF3B-62295FDEB6AD}" type="datetimeFigureOut">
               <a:rPr lang="zh-TW" altLang="en-US" smtClean="0"/>
-              <a:t>2019/9/28</a:t>
+              <a:pPr/>
+              <a:t>2020/2/4</a:t>
             </a:fld>
             <a:endParaRPr lang="zh-TW" altLang="en-US"/>
           </a:p>
@@ -1079,6 +1092,7 @@
           <a:p>
             <a:fld id="{46CB49DA-2D70-43D8-9607-1C4A686D7AB8}" type="slidenum">
               <a:rPr lang="zh-TW" altLang="en-US" smtClean="0"/>
+              <a:pPr/>
               <a:t>‹#›</a:t>
             </a:fld>
             <a:endParaRPr lang="zh-TW" altLang="en-US"/>
@@ -1320,7 +1334,8 @@
           <a:p>
             <a:fld id="{AC437F70-6466-42FF-BF3B-62295FDEB6AD}" type="datetimeFigureOut">
               <a:rPr lang="zh-TW" altLang="en-US" smtClean="0"/>
-              <a:t>2019/9/28</a:t>
+              <a:pPr/>
+              <a:t>2020/2/4</a:t>
             </a:fld>
             <a:endParaRPr lang="zh-TW" altLang="en-US"/>
           </a:p>
@@ -1362,6 +1377,7 @@
           <a:p>
             <a:fld id="{46CB49DA-2D70-43D8-9607-1C4A686D7AB8}" type="slidenum">
               <a:rPr lang="zh-TW" altLang="en-US" smtClean="0"/>
+              <a:pPr/>
               <a:t>‹#›</a:t>
             </a:fld>
             <a:endParaRPr lang="zh-TW" altLang="en-US"/>
@@ -1737,7 +1753,8 @@
           <a:p>
             <a:fld id="{AC437F70-6466-42FF-BF3B-62295FDEB6AD}" type="datetimeFigureOut">
               <a:rPr lang="zh-TW" altLang="en-US" smtClean="0"/>
-              <a:t>2019/9/28</a:t>
+              <a:pPr/>
+              <a:t>2020/2/4</a:t>
             </a:fld>
             <a:endParaRPr lang="zh-TW" altLang="en-US"/>
           </a:p>
@@ -1779,6 +1796,7 @@
           <a:p>
             <a:fld id="{46CB49DA-2D70-43D8-9607-1C4A686D7AB8}" type="slidenum">
               <a:rPr lang="zh-TW" altLang="en-US" smtClean="0"/>
+              <a:pPr/>
               <a:t>‹#›</a:t>
             </a:fld>
             <a:endParaRPr lang="zh-TW" altLang="en-US"/>
@@ -1850,7 +1868,8 @@
           <a:p>
             <a:fld id="{AC437F70-6466-42FF-BF3B-62295FDEB6AD}" type="datetimeFigureOut">
               <a:rPr lang="zh-TW" altLang="en-US" smtClean="0"/>
-              <a:t>2019/9/28</a:t>
+              <a:pPr/>
+              <a:t>2020/2/4</a:t>
             </a:fld>
             <a:endParaRPr lang="zh-TW" altLang="en-US"/>
           </a:p>
@@ -1892,6 +1911,7 @@
           <a:p>
             <a:fld id="{46CB49DA-2D70-43D8-9607-1C4A686D7AB8}" type="slidenum">
               <a:rPr lang="zh-TW" altLang="en-US" smtClean="0"/>
+              <a:pPr/>
               <a:t>‹#›</a:t>
             </a:fld>
             <a:endParaRPr lang="zh-TW" altLang="en-US"/>
@@ -1940,7 +1960,8 @@
           <a:p>
             <a:fld id="{AC437F70-6466-42FF-BF3B-62295FDEB6AD}" type="datetimeFigureOut">
               <a:rPr lang="zh-TW" altLang="en-US" smtClean="0"/>
-              <a:t>2019/9/28</a:t>
+              <a:pPr/>
+              <a:t>2020/2/4</a:t>
             </a:fld>
             <a:endParaRPr lang="zh-TW" altLang="en-US"/>
           </a:p>
@@ -1982,6 +2003,7 @@
           <a:p>
             <a:fld id="{46CB49DA-2D70-43D8-9607-1C4A686D7AB8}" type="slidenum">
               <a:rPr lang="zh-TW" altLang="en-US" smtClean="0"/>
+              <a:pPr/>
               <a:t>‹#›</a:t>
             </a:fld>
             <a:endParaRPr lang="zh-TW" altLang="en-US"/>
@@ -2212,7 +2234,8 @@
           <a:p>
             <a:fld id="{AC437F70-6466-42FF-BF3B-62295FDEB6AD}" type="datetimeFigureOut">
               <a:rPr lang="zh-TW" altLang="en-US" smtClean="0"/>
-              <a:t>2019/9/28</a:t>
+              <a:pPr/>
+              <a:t>2020/2/4</a:t>
             </a:fld>
             <a:endParaRPr lang="zh-TW" altLang="en-US"/>
           </a:p>
@@ -2254,6 +2277,7 @@
           <a:p>
             <a:fld id="{46CB49DA-2D70-43D8-9607-1C4A686D7AB8}" type="slidenum">
               <a:rPr lang="zh-TW" altLang="en-US" smtClean="0"/>
+              <a:pPr/>
               <a:t>‹#›</a:t>
             </a:fld>
             <a:endParaRPr lang="zh-TW" altLang="en-US"/>
@@ -2464,7 +2488,8 @@
           <a:p>
             <a:fld id="{AC437F70-6466-42FF-BF3B-62295FDEB6AD}" type="datetimeFigureOut">
               <a:rPr lang="zh-TW" altLang="en-US" smtClean="0"/>
-              <a:t>2019/9/28</a:t>
+              <a:pPr/>
+              <a:t>2020/2/4</a:t>
             </a:fld>
             <a:endParaRPr lang="zh-TW" altLang="en-US"/>
           </a:p>
@@ -2506,6 +2531,7 @@
           <a:p>
             <a:fld id="{46CB49DA-2D70-43D8-9607-1C4A686D7AB8}" type="slidenum">
               <a:rPr lang="zh-TW" altLang="en-US" smtClean="0"/>
+              <a:pPr/>
               <a:t>‹#›</a:t>
             </a:fld>
             <a:endParaRPr lang="zh-TW" altLang="en-US"/>
@@ -2677,7 +2703,8 @@
           <a:p>
             <a:fld id="{AC437F70-6466-42FF-BF3B-62295FDEB6AD}" type="datetimeFigureOut">
               <a:rPr lang="zh-TW" altLang="en-US" smtClean="0"/>
-              <a:t>2019/9/28</a:t>
+              <a:pPr/>
+              <a:t>2020/2/4</a:t>
             </a:fld>
             <a:endParaRPr lang="zh-TW" altLang="en-US"/>
           </a:p>
@@ -2755,6 +2782,7 @@
           <a:p>
             <a:fld id="{46CB49DA-2D70-43D8-9607-1C4A686D7AB8}" type="slidenum">
               <a:rPr lang="zh-TW" altLang="en-US" smtClean="0"/>
+              <a:pPr/>
               <a:t>‹#›</a:t>
             </a:fld>
             <a:endParaRPr lang="zh-TW" altLang="en-US"/>
@@ -3276,10 +3304,6 @@
               </a:rPr>
               <a:t>心中只想獻奉我深深敬拜</a:t>
             </a:r>
-            <a:endParaRPr lang="zh-TW" altLang="en-US" sz="4800" b="1" dirty="0">
-              <a:latin typeface="Microsoft JhengHei" pitchFamily="34" charset="-120"/>
-              <a:ea typeface="Microsoft JhengHei" pitchFamily="34" charset="-120"/>
-            </a:endParaRPr>
           </a:p>
         </p:txBody>
       </p:sp>
@@ -3565,17 +3589,13 @@
               </a:rPr>
               <a:t>願帶我到寶座前敬拜</a:t>
             </a:r>
-            <a:endParaRPr lang="zh-TW" altLang="en-US" sz="4800" b="1" dirty="0">
-              <a:latin typeface="Microsoft JhengHei" pitchFamily="34" charset="-120"/>
-              <a:ea typeface="Microsoft JhengHei" pitchFamily="34" charset="-120"/>
-            </a:endParaRPr>
           </a:p>
         </p:txBody>
       </p:sp>
     </p:spTree>
     <p:extLst>
       <p:ext uri="{BB962C8B-B14F-4D97-AF65-F5344CB8AC3E}">
-        <p14:creationId xmlns:p14="http://schemas.microsoft.com/office/powerpoint/2010/main" val="194390261"/>
+        <p14:creationId xmlns:p14="http://schemas.microsoft.com/office/powerpoint/2010/main" xmlns="" val="194390261"/>
       </p:ext>
     </p:extLst>
   </p:cSld>
@@ -3589,6 +3609,731 @@
       </p:par>
     </p:tnLst>
   </p:timing>
+</p:sld>
+</file>
+
+<file path=ppt/slides/slide5.xml><?xml version="1.0" encoding="utf-8"?>
+<p:sld xmlns:a="http://schemas.openxmlformats.org/drawingml/2006/main" xmlns:r="http://schemas.openxmlformats.org/officeDocument/2006/relationships" xmlns:p="http://schemas.openxmlformats.org/presentationml/2006/main">
+  <p:cSld>
+    <p:spTree>
+      <p:nvGrpSpPr>
+        <p:cNvPr id="1" name=""/>
+        <p:cNvGrpSpPr/>
+        <p:nvPr/>
+      </p:nvGrpSpPr>
+      <p:grpSpPr>
+        <a:xfrm>
+          <a:off x="0" y="0"/>
+          <a:ext cx="0" cy="0"/>
+          <a:chOff x="0" y="0"/>
+          <a:chExt cx="0" cy="0"/>
+        </a:xfrm>
+      </p:grpSpPr>
+      <p:sp>
+        <p:nvSpPr>
+          <p:cNvPr id="4" name="標題 3"/>
+          <p:cNvSpPr>
+            <a:spLocks noGrp="1"/>
+          </p:cNvSpPr>
+          <p:nvPr>
+            <p:ph type="title"/>
+          </p:nvPr>
+        </p:nvSpPr>
+        <p:spPr/>
+        <p:txBody>
+          <a:bodyPr/>
+          <a:lstStyle/>
+          <a:p>
+            <a:r>
+              <a:rPr lang="zh-TW" altLang="en-US" b="1" dirty="0">
+                <a:latin typeface="微軟正黑體" pitchFamily="34" charset="-120"/>
+                <a:ea typeface="微軟正黑體" pitchFamily="34" charset="-120"/>
+              </a:rPr>
+              <a:t>因著信</a:t>
+            </a:r>
+          </a:p>
+        </p:txBody>
+      </p:sp>
+      <p:sp>
+        <p:nvSpPr>
+          <p:cNvPr id="5" name="內容版面配置區 4"/>
+          <p:cNvSpPr>
+            <a:spLocks noGrp="1"/>
+          </p:cNvSpPr>
+          <p:nvPr>
+            <p:ph idx="1"/>
+          </p:nvPr>
+        </p:nvSpPr>
+        <p:spPr/>
+        <p:txBody>
+          <a:bodyPr>
+            <a:normAutofit/>
+          </a:bodyPr>
+          <a:lstStyle/>
+          <a:p>
+            <a:pPr algn="ctr">
+              <a:buNone/>
+            </a:pPr>
+            <a:r>
+              <a:rPr lang="zh-TW" altLang="en-US" sz="5400" b="1" dirty="0">
+                <a:latin typeface="微軟正黑體" pitchFamily="34" charset="-120"/>
+                <a:ea typeface="微軟正黑體" pitchFamily="34" charset="-120"/>
+              </a:rPr>
+              <a:t>憑信 他離別吾</a:t>
+            </a:r>
+            <a:r>
+              <a:rPr lang="zh-TW" altLang="en-US" sz="5400" b="1" dirty="0" smtClean="0">
+                <a:latin typeface="微軟正黑體" pitchFamily="34" charset="-120"/>
+                <a:ea typeface="微軟正黑體" pitchFamily="34" charset="-120"/>
+              </a:rPr>
+              <a:t>珥</a:t>
+            </a:r>
+            <a:endParaRPr lang="en-US" altLang="zh-TW" sz="5400" b="1" dirty="0">
+              <a:latin typeface="微軟正黑體" pitchFamily="34" charset="-120"/>
+              <a:ea typeface="微軟正黑體" pitchFamily="34" charset="-120"/>
+            </a:endParaRPr>
+          </a:p>
+          <a:p>
+            <a:pPr algn="ctr">
+              <a:buNone/>
+            </a:pPr>
+            <a:r>
+              <a:rPr lang="zh-TW" altLang="en-US" sz="5400" b="1" dirty="0" smtClean="0">
+                <a:latin typeface="微軟正黑體" pitchFamily="34" charset="-120"/>
+                <a:ea typeface="微軟正黑體" pitchFamily="34" charset="-120"/>
+              </a:rPr>
+              <a:t>因</a:t>
+            </a:r>
+            <a:r>
+              <a:rPr lang="zh-TW" altLang="en-US" sz="5400" b="1" dirty="0">
+                <a:latin typeface="微軟正黑體" pitchFamily="34" charset="-120"/>
+                <a:ea typeface="微軟正黑體" pitchFamily="34" charset="-120"/>
+              </a:rPr>
+              <a:t>信 全然奉上</a:t>
+            </a:r>
+            <a:r>
+              <a:rPr lang="zh-TW" altLang="en-US" sz="5400" b="1" dirty="0" smtClean="0">
+                <a:latin typeface="微軟正黑體" pitchFamily="34" charset="-120"/>
+                <a:ea typeface="微軟正黑體" pitchFamily="34" charset="-120"/>
+              </a:rPr>
+              <a:t>愛子</a:t>
+            </a:r>
+            <a:endParaRPr lang="en-US" altLang="zh-TW" sz="5400" b="1" dirty="0">
+              <a:latin typeface="微軟正黑體" pitchFamily="34" charset="-120"/>
+              <a:ea typeface="微軟正黑體" pitchFamily="34" charset="-120"/>
+            </a:endParaRPr>
+          </a:p>
+          <a:p>
+            <a:pPr algn="ctr">
+              <a:buNone/>
+            </a:pPr>
+            <a:r>
+              <a:rPr lang="zh-TW" altLang="en-US" sz="5400" b="1" dirty="0" smtClean="0">
+                <a:latin typeface="微軟正黑體" pitchFamily="34" charset="-120"/>
+                <a:ea typeface="微軟正黑體" pitchFamily="34" charset="-120"/>
+              </a:rPr>
+              <a:t>憑信 </a:t>
+            </a:r>
+            <a:r>
+              <a:rPr lang="zh-TW" altLang="en-US" sz="5400" b="1" dirty="0">
+                <a:latin typeface="微軟正黑體" pitchFamily="34" charset="-120"/>
+                <a:ea typeface="微軟正黑體" pitchFamily="34" charset="-120"/>
+              </a:rPr>
+              <a:t>還有人全力抓住</a:t>
+            </a:r>
+            <a:r>
+              <a:rPr lang="zh-TW" altLang="en-US" sz="5400" b="1" dirty="0" smtClean="0">
+                <a:latin typeface="微軟正黑體" pitchFamily="34" charset="-120"/>
+                <a:ea typeface="微軟正黑體" pitchFamily="34" charset="-120"/>
+              </a:rPr>
+              <a:t>天使</a:t>
+            </a:r>
+            <a:endParaRPr lang="en-US" altLang="zh-TW" sz="5400" b="1" dirty="0">
+              <a:latin typeface="微軟正黑體" pitchFamily="34" charset="-120"/>
+              <a:ea typeface="微軟正黑體" pitchFamily="34" charset="-120"/>
+            </a:endParaRPr>
+          </a:p>
+          <a:p>
+            <a:pPr algn="ctr">
+              <a:buNone/>
+            </a:pPr>
+            <a:r>
+              <a:rPr lang="zh-TW" altLang="en-US" sz="5400" b="1" dirty="0" smtClean="0">
+                <a:latin typeface="微軟正黑體" pitchFamily="34" charset="-120"/>
+                <a:ea typeface="微軟正黑體" pitchFamily="34" charset="-120"/>
+              </a:rPr>
+              <a:t>羸</a:t>
+            </a:r>
+            <a:r>
+              <a:rPr lang="zh-TW" altLang="en-US" sz="5400" b="1" dirty="0">
+                <a:latin typeface="微軟正黑體" pitchFamily="34" charset="-120"/>
+                <a:ea typeface="微軟正黑體" pitchFamily="34" charset="-120"/>
+              </a:rPr>
+              <a:t>到祝福 換了名字</a:t>
+            </a:r>
+          </a:p>
+        </p:txBody>
+      </p:sp>
+    </p:spTree>
+  </p:cSld>
+  <p:clrMapOvr>
+    <a:masterClrMapping/>
+  </p:clrMapOvr>
+</p:sld>
+</file>
+
+<file path=ppt/slides/slide6.xml><?xml version="1.0" encoding="utf-8"?>
+<p:sld xmlns:a="http://schemas.openxmlformats.org/drawingml/2006/main" xmlns:r="http://schemas.openxmlformats.org/officeDocument/2006/relationships" xmlns:p="http://schemas.openxmlformats.org/presentationml/2006/main">
+  <p:cSld>
+    <p:spTree>
+      <p:nvGrpSpPr>
+        <p:cNvPr id="1" name=""/>
+        <p:cNvGrpSpPr/>
+        <p:nvPr/>
+      </p:nvGrpSpPr>
+      <p:grpSpPr>
+        <a:xfrm>
+          <a:off x="0" y="0"/>
+          <a:ext cx="0" cy="0"/>
+          <a:chOff x="0" y="0"/>
+          <a:chExt cx="0" cy="0"/>
+        </a:xfrm>
+      </p:grpSpPr>
+      <p:sp>
+        <p:nvSpPr>
+          <p:cNvPr id="4" name="標題 3"/>
+          <p:cNvSpPr>
+            <a:spLocks noGrp="1"/>
+          </p:cNvSpPr>
+          <p:nvPr>
+            <p:ph type="title"/>
+          </p:nvPr>
+        </p:nvSpPr>
+        <p:spPr/>
+        <p:txBody>
+          <a:bodyPr/>
+          <a:lstStyle/>
+          <a:p>
+            <a:r>
+              <a:rPr lang="zh-TW" altLang="en-US" b="1" dirty="0">
+                <a:latin typeface="微軟正黑體" pitchFamily="34" charset="-120"/>
+                <a:ea typeface="微軟正黑體" pitchFamily="34" charset="-120"/>
+              </a:rPr>
+              <a:t>因著信</a:t>
+            </a:r>
+          </a:p>
+        </p:txBody>
+      </p:sp>
+      <p:sp>
+        <p:nvSpPr>
+          <p:cNvPr id="5" name="內容版面配置區 4"/>
+          <p:cNvSpPr>
+            <a:spLocks noGrp="1"/>
+          </p:cNvSpPr>
+          <p:nvPr>
+            <p:ph idx="1"/>
+          </p:nvPr>
+        </p:nvSpPr>
+        <p:spPr>
+          <a:xfrm>
+            <a:off x="0" y="1200151"/>
+            <a:ext cx="9144000" cy="3394472"/>
+          </a:xfrm>
+        </p:spPr>
+        <p:txBody>
+          <a:bodyPr>
+            <a:normAutofit/>
+          </a:bodyPr>
+          <a:lstStyle/>
+          <a:p>
+            <a:pPr algn="ctr">
+              <a:buNone/>
+            </a:pPr>
+            <a:r>
+              <a:rPr lang="zh-TW" altLang="en-US" sz="5400" b="1" dirty="0">
+                <a:latin typeface="微軟正黑體" pitchFamily="34" charset="-120"/>
+                <a:ea typeface="微軟正黑體" pitchFamily="34" charset="-120"/>
+              </a:rPr>
+              <a:t>憑信 他行近</a:t>
+            </a:r>
+            <a:r>
+              <a:rPr lang="zh-TW" altLang="en-US" sz="5400" b="1" dirty="0" smtClean="0">
+                <a:latin typeface="微軟正黑體" pitchFamily="34" charset="-120"/>
+                <a:ea typeface="微軟正黑體" pitchFamily="34" charset="-120"/>
+              </a:rPr>
+              <a:t>紅海</a:t>
+            </a:r>
+            <a:endParaRPr lang="en-US" altLang="zh-TW" sz="5400" b="1" dirty="0">
+              <a:latin typeface="微軟正黑體" pitchFamily="34" charset="-120"/>
+              <a:ea typeface="微軟正黑體" pitchFamily="34" charset="-120"/>
+            </a:endParaRPr>
+          </a:p>
+          <a:p>
+            <a:pPr algn="ctr">
+              <a:buNone/>
+            </a:pPr>
+            <a:r>
+              <a:rPr lang="zh-TW" altLang="en-US" sz="5400" b="1" dirty="0" smtClean="0">
+                <a:latin typeface="微軟正黑體" pitchFamily="34" charset="-120"/>
+                <a:ea typeface="微軟正黑體" pitchFamily="34" charset="-120"/>
+              </a:rPr>
+              <a:t>因</a:t>
+            </a:r>
+            <a:r>
+              <a:rPr lang="zh-TW" altLang="en-US" sz="5400" b="1" dirty="0">
+                <a:latin typeface="微軟正黑體" pitchFamily="34" charset="-120"/>
+                <a:ea typeface="微軟正黑體" pitchFamily="34" charset="-120"/>
+              </a:rPr>
+              <a:t>信 連潮浪也</a:t>
+            </a:r>
+            <a:r>
+              <a:rPr lang="zh-TW" altLang="en-US" sz="5400" b="1" dirty="0" smtClean="0">
+                <a:latin typeface="微軟正黑體" pitchFamily="34" charset="-120"/>
+                <a:ea typeface="微軟正黑體" pitchFamily="34" charset="-120"/>
+              </a:rPr>
+              <a:t>分開</a:t>
+            </a:r>
+            <a:endParaRPr lang="en-US" altLang="zh-TW" sz="5400" b="1" dirty="0">
+              <a:latin typeface="微軟正黑體" pitchFamily="34" charset="-120"/>
+              <a:ea typeface="微軟正黑體" pitchFamily="34" charset="-120"/>
+            </a:endParaRPr>
+          </a:p>
+          <a:p>
+            <a:pPr algn="ctr">
+              <a:buNone/>
+            </a:pPr>
+            <a:r>
+              <a:rPr lang="zh-TW" altLang="en-US" sz="5400" b="1" dirty="0" smtClean="0">
+                <a:latin typeface="微軟正黑體" pitchFamily="34" charset="-120"/>
+                <a:ea typeface="微軟正黑體" pitchFamily="34" charset="-120"/>
+              </a:rPr>
+              <a:t>憑信 </a:t>
+            </a:r>
+            <a:r>
+              <a:rPr lang="zh-TW" altLang="en-US" sz="5400" b="1" dirty="0">
+                <a:latin typeface="微軟正黑體" pitchFamily="34" charset="-120"/>
+                <a:ea typeface="微軟正黑體" pitchFamily="34" charset="-120"/>
+              </a:rPr>
+              <a:t>曾有人被困於獅子</a:t>
+            </a:r>
+            <a:r>
+              <a:rPr lang="zh-TW" altLang="en-US" sz="5400" b="1" dirty="0" smtClean="0">
+                <a:latin typeface="微軟正黑體" pitchFamily="34" charset="-120"/>
+                <a:ea typeface="微軟正黑體" pitchFamily="34" charset="-120"/>
+              </a:rPr>
+              <a:t>坑內</a:t>
+            </a:r>
+            <a:endParaRPr lang="en-US" altLang="zh-TW" sz="5400" b="1" dirty="0">
+              <a:latin typeface="微軟正黑體" pitchFamily="34" charset="-120"/>
+              <a:ea typeface="微軟正黑體" pitchFamily="34" charset="-120"/>
+            </a:endParaRPr>
+          </a:p>
+          <a:p>
+            <a:pPr algn="ctr">
+              <a:buNone/>
+            </a:pPr>
+            <a:r>
+              <a:rPr lang="zh-TW" altLang="en-US" sz="5400" b="1" dirty="0" smtClean="0">
+                <a:latin typeface="微軟正黑體" pitchFamily="34" charset="-120"/>
+                <a:ea typeface="微軟正黑體" pitchFamily="34" charset="-120"/>
+              </a:rPr>
+              <a:t>仍</a:t>
+            </a:r>
+            <a:r>
+              <a:rPr lang="zh-TW" altLang="en-US" sz="5400" b="1" dirty="0">
+                <a:latin typeface="微軟正黑體" pitchFamily="34" charset="-120"/>
+                <a:ea typeface="微軟正黑體" pitchFamily="34" charset="-120"/>
+              </a:rPr>
+              <a:t>敬拜上帝 發誓至死不改</a:t>
+            </a:r>
+          </a:p>
+        </p:txBody>
+      </p:sp>
+    </p:spTree>
+  </p:cSld>
+  <p:clrMapOvr>
+    <a:masterClrMapping/>
+  </p:clrMapOvr>
+</p:sld>
+</file>
+
+<file path=ppt/slides/slide7.xml><?xml version="1.0" encoding="utf-8"?>
+<p:sld xmlns:a="http://schemas.openxmlformats.org/drawingml/2006/main" xmlns:r="http://schemas.openxmlformats.org/officeDocument/2006/relationships" xmlns:p="http://schemas.openxmlformats.org/presentationml/2006/main">
+  <p:cSld>
+    <p:spTree>
+      <p:nvGrpSpPr>
+        <p:cNvPr id="1" name=""/>
+        <p:cNvGrpSpPr/>
+        <p:nvPr/>
+      </p:nvGrpSpPr>
+      <p:grpSpPr>
+        <a:xfrm>
+          <a:off x="0" y="0"/>
+          <a:ext cx="0" cy="0"/>
+          <a:chOff x="0" y="0"/>
+          <a:chExt cx="0" cy="0"/>
+        </a:xfrm>
+      </p:grpSpPr>
+      <p:sp>
+        <p:nvSpPr>
+          <p:cNvPr id="4" name="標題 3"/>
+          <p:cNvSpPr>
+            <a:spLocks noGrp="1"/>
+          </p:cNvSpPr>
+          <p:nvPr>
+            <p:ph type="title"/>
+          </p:nvPr>
+        </p:nvSpPr>
+        <p:spPr/>
+        <p:txBody>
+          <a:bodyPr/>
+          <a:lstStyle/>
+          <a:p>
+            <a:r>
+              <a:rPr lang="zh-TW" altLang="en-US" b="1" dirty="0">
+                <a:latin typeface="微軟正黑體" pitchFamily="34" charset="-120"/>
+                <a:ea typeface="微軟正黑體" pitchFamily="34" charset="-120"/>
+              </a:rPr>
+              <a:t>因著信</a:t>
+            </a:r>
+          </a:p>
+        </p:txBody>
+      </p:sp>
+      <p:sp>
+        <p:nvSpPr>
+          <p:cNvPr id="5" name="內容版面配置區 4"/>
+          <p:cNvSpPr>
+            <a:spLocks noGrp="1"/>
+          </p:cNvSpPr>
+          <p:nvPr>
+            <p:ph idx="1"/>
+          </p:nvPr>
+        </p:nvSpPr>
+        <p:spPr>
+          <a:xfrm>
+            <a:off x="0" y="1200151"/>
+            <a:ext cx="9144000" cy="3394472"/>
+          </a:xfrm>
+        </p:spPr>
+        <p:txBody>
+          <a:bodyPr>
+            <a:normAutofit fontScale="92500"/>
+          </a:bodyPr>
+          <a:lstStyle/>
+          <a:p>
+            <a:pPr algn="ctr">
+              <a:buNone/>
+            </a:pPr>
+            <a:r>
+              <a:rPr lang="zh-TW" altLang="en-US" sz="5400" b="1" dirty="0">
+                <a:latin typeface="微軟正黑體" pitchFamily="34" charset="-120"/>
+                <a:ea typeface="微軟正黑體" pitchFamily="34" charset="-120"/>
+              </a:rPr>
+              <a:t>在某天他下決心圍繞在城</a:t>
+            </a:r>
+            <a:r>
+              <a:rPr lang="zh-TW" altLang="en-US" sz="5400" b="1" dirty="0" smtClean="0">
+                <a:latin typeface="微軟正黑體" pitchFamily="34" charset="-120"/>
+                <a:ea typeface="微軟正黑體" pitchFamily="34" charset="-120"/>
+              </a:rPr>
+              <a:t>外</a:t>
+            </a:r>
+            <a:endParaRPr lang="en-US" altLang="zh-TW" sz="5400" b="1" dirty="0">
+              <a:latin typeface="微軟正黑體" pitchFamily="34" charset="-120"/>
+              <a:ea typeface="微軟正黑體" pitchFamily="34" charset="-120"/>
+            </a:endParaRPr>
+          </a:p>
+          <a:p>
+            <a:pPr algn="ctr">
+              <a:buNone/>
+            </a:pPr>
+            <a:r>
+              <a:rPr lang="zh-TW" altLang="en-US" sz="5400" b="1" dirty="0" smtClean="0">
+                <a:latin typeface="微軟正黑體" pitchFamily="34" charset="-120"/>
+                <a:ea typeface="微軟正黑體" pitchFamily="34" charset="-120"/>
+              </a:rPr>
+              <a:t>憑信</a:t>
+            </a:r>
+            <a:r>
+              <a:rPr lang="zh-TW" altLang="en-US" sz="5400" b="1" dirty="0">
+                <a:latin typeface="微軟正黑體" pitchFamily="34" charset="-120"/>
+                <a:ea typeface="微軟正黑體" pitchFamily="34" charset="-120"/>
+              </a:rPr>
+              <a:t>放聲呼喊 城牆便倒塌</a:t>
+            </a:r>
+            <a:r>
+              <a:rPr lang="zh-TW" altLang="en-US" sz="5400" b="1" dirty="0" smtClean="0">
+                <a:latin typeface="微軟正黑體" pitchFamily="34" charset="-120"/>
+                <a:ea typeface="微軟正黑體" pitchFamily="34" charset="-120"/>
+              </a:rPr>
+              <a:t>下來</a:t>
+            </a:r>
+            <a:endParaRPr lang="en-US" altLang="zh-TW" sz="5400" b="1" dirty="0">
+              <a:latin typeface="微軟正黑體" pitchFamily="34" charset="-120"/>
+              <a:ea typeface="微軟正黑體" pitchFamily="34" charset="-120"/>
+            </a:endParaRPr>
+          </a:p>
+          <a:p>
+            <a:pPr algn="ctr">
+              <a:buNone/>
+            </a:pPr>
+            <a:r>
+              <a:rPr lang="zh-TW" altLang="en-US" sz="5400" b="1" dirty="0" smtClean="0">
+                <a:latin typeface="微軟正黑體" pitchFamily="34" charset="-120"/>
+                <a:ea typeface="微軟正黑體" pitchFamily="34" charset="-120"/>
+              </a:rPr>
+              <a:t>又</a:t>
+            </a:r>
+            <a:r>
+              <a:rPr lang="zh-TW" altLang="en-US" sz="5400" b="1" dirty="0">
+                <a:latin typeface="微軟正黑體" pitchFamily="34" charset="-120"/>
+                <a:ea typeface="微軟正黑體" pitchFamily="34" charset="-120"/>
+              </a:rPr>
+              <a:t>有先知被掳</a:t>
+            </a:r>
+            <a:r>
+              <a:rPr lang="zh-TW" altLang="en-US" sz="5400" b="1" dirty="0" smtClean="0">
+                <a:latin typeface="微軟正黑體" pitchFamily="34" charset="-120"/>
+                <a:ea typeface="微軟正黑體" pitchFamily="34" charset="-120"/>
+              </a:rPr>
+              <a:t>他方</a:t>
+            </a:r>
+            <a:endParaRPr lang="en-US" altLang="zh-TW" sz="5400" b="1" dirty="0" smtClean="0">
+              <a:latin typeface="微軟正黑體" pitchFamily="34" charset="-120"/>
+              <a:ea typeface="微軟正黑體" pitchFamily="34" charset="-120"/>
+            </a:endParaRPr>
+          </a:p>
+          <a:p>
+            <a:pPr algn="ctr">
+              <a:buNone/>
+            </a:pPr>
+            <a:r>
+              <a:rPr lang="zh-TW" altLang="en-US" sz="5400" b="1" dirty="0" smtClean="0">
+                <a:latin typeface="微軟正黑體" pitchFamily="34" charset="-120"/>
+                <a:ea typeface="微軟正黑體" pitchFamily="34" charset="-120"/>
+              </a:rPr>
+              <a:t>常</a:t>
+            </a:r>
+            <a:r>
+              <a:rPr lang="zh-TW" altLang="en-US" sz="5400" b="1" dirty="0">
+                <a:latin typeface="微軟正黑體" pitchFamily="34" charset="-120"/>
+                <a:ea typeface="微軟正黑體" pitchFamily="34" charset="-120"/>
+              </a:rPr>
+              <a:t>在心裏靜</a:t>
+            </a:r>
+            <a:r>
+              <a:rPr lang="zh-TW" altLang="en-US" sz="5400" b="1" dirty="0" smtClean="0">
+                <a:latin typeface="微軟正黑體" pitchFamily="34" charset="-120"/>
+                <a:ea typeface="微軟正黑體" pitchFamily="34" charset="-120"/>
+              </a:rPr>
+              <a:t>待</a:t>
+            </a:r>
+            <a:endParaRPr lang="en-US" altLang="zh-TW" sz="5400" b="1" dirty="0">
+              <a:latin typeface="微軟正黑體" pitchFamily="34" charset="-120"/>
+              <a:ea typeface="微軟正黑體" pitchFamily="34" charset="-120"/>
+            </a:endParaRPr>
+          </a:p>
+          <a:p>
+            <a:pPr algn="ctr">
+              <a:buNone/>
+            </a:pPr>
+            <a:r>
+              <a:rPr lang="zh-TW" altLang="en-US" sz="5400" b="1" dirty="0" smtClean="0">
+                <a:latin typeface="微軟正黑體" pitchFamily="34" charset="-120"/>
+                <a:ea typeface="微軟正黑體" pitchFamily="34" charset="-120"/>
+              </a:rPr>
+              <a:t>仍</a:t>
+            </a:r>
+            <a:r>
+              <a:rPr lang="zh-TW" altLang="en-US" sz="5400" b="1" dirty="0">
+                <a:latin typeface="微軟正黑體" pitchFamily="34" charset="-120"/>
+                <a:ea typeface="微軟正黑體" pitchFamily="34" charset="-120"/>
+              </a:rPr>
+              <a:t>確信上帝榮耀會回來</a:t>
+            </a:r>
+          </a:p>
+        </p:txBody>
+      </p:sp>
+    </p:spTree>
+  </p:cSld>
+  <p:clrMapOvr>
+    <a:masterClrMapping/>
+  </p:clrMapOvr>
+</p:sld>
+</file>
+
+<file path=ppt/slides/slide8.xml><?xml version="1.0" encoding="utf-8"?>
+<p:sld xmlns:a="http://schemas.openxmlformats.org/drawingml/2006/main" xmlns:r="http://schemas.openxmlformats.org/officeDocument/2006/relationships" xmlns:p="http://schemas.openxmlformats.org/presentationml/2006/main">
+  <p:cSld>
+    <p:spTree>
+      <p:nvGrpSpPr>
+        <p:cNvPr id="1" name=""/>
+        <p:cNvGrpSpPr/>
+        <p:nvPr/>
+      </p:nvGrpSpPr>
+      <p:grpSpPr>
+        <a:xfrm>
+          <a:off x="0" y="0"/>
+          <a:ext cx="0" cy="0"/>
+          <a:chOff x="0" y="0"/>
+          <a:chExt cx="0" cy="0"/>
+        </a:xfrm>
+      </p:grpSpPr>
+      <p:sp>
+        <p:nvSpPr>
+          <p:cNvPr id="4" name="標題 3"/>
+          <p:cNvSpPr>
+            <a:spLocks noGrp="1"/>
+          </p:cNvSpPr>
+          <p:nvPr>
+            <p:ph type="title"/>
+          </p:nvPr>
+        </p:nvSpPr>
+        <p:spPr/>
+        <p:txBody>
+          <a:bodyPr/>
+          <a:lstStyle/>
+          <a:p>
+            <a:r>
+              <a:rPr lang="zh-TW" altLang="en-US" b="1" dirty="0">
+                <a:latin typeface="微軟正黑體" pitchFamily="34" charset="-120"/>
+                <a:ea typeface="微軟正黑體" pitchFamily="34" charset="-120"/>
+              </a:rPr>
+              <a:t>因著信</a:t>
+            </a:r>
+          </a:p>
+        </p:txBody>
+      </p:sp>
+      <p:sp>
+        <p:nvSpPr>
+          <p:cNvPr id="5" name="內容版面配置區 4"/>
+          <p:cNvSpPr>
+            <a:spLocks noGrp="1"/>
+          </p:cNvSpPr>
+          <p:nvPr>
+            <p:ph idx="1"/>
+          </p:nvPr>
+        </p:nvSpPr>
+        <p:spPr>
+          <a:xfrm>
+            <a:off x="0" y="1200151"/>
+            <a:ext cx="9144000" cy="3394472"/>
+          </a:xfrm>
+        </p:spPr>
+        <p:txBody>
+          <a:bodyPr>
+            <a:normAutofit/>
+          </a:bodyPr>
+          <a:lstStyle/>
+          <a:p>
+            <a:pPr algn="ctr">
+              <a:buNone/>
+            </a:pPr>
+            <a:r>
+              <a:rPr lang="zh-TW" altLang="en-US" sz="5400" b="1" dirty="0">
+                <a:latin typeface="微軟正黑體" pitchFamily="34" charset="-120"/>
+                <a:ea typeface="微軟正黑體" pitchFamily="34" charset="-120"/>
+              </a:rPr>
+              <a:t>憑信 我們懷著</a:t>
+            </a:r>
+            <a:r>
+              <a:rPr lang="zh-TW" altLang="en-US" sz="5400" b="1" dirty="0" smtClean="0">
+                <a:latin typeface="微軟正黑體" pitchFamily="34" charset="-120"/>
+                <a:ea typeface="微軟正黑體" pitchFamily="34" charset="-120"/>
+              </a:rPr>
+              <a:t>憑據</a:t>
+            </a:r>
+            <a:endParaRPr lang="en-US" altLang="zh-TW" sz="5400" b="1" dirty="0">
+              <a:latin typeface="微軟正黑體" pitchFamily="34" charset="-120"/>
+              <a:ea typeface="微軟正黑體" pitchFamily="34" charset="-120"/>
+            </a:endParaRPr>
+          </a:p>
+          <a:p>
+            <a:pPr algn="ctr">
+              <a:buNone/>
+            </a:pPr>
+            <a:r>
+              <a:rPr lang="zh-TW" altLang="en-US" sz="5400" b="1" dirty="0" smtClean="0">
+                <a:latin typeface="微軟正黑體" pitchFamily="34" charset="-120"/>
+                <a:ea typeface="微軟正黑體" pitchFamily="34" charset="-120"/>
+              </a:rPr>
+              <a:t>因</a:t>
+            </a:r>
+            <a:r>
+              <a:rPr lang="zh-TW" altLang="en-US" sz="5400" b="1" dirty="0">
+                <a:latin typeface="微軟正黑體" pitchFamily="34" charset="-120"/>
+                <a:ea typeface="微軟正黑體" pitchFamily="34" charset="-120"/>
+              </a:rPr>
+              <a:t>信 同尋著了</a:t>
+            </a:r>
+            <a:r>
+              <a:rPr lang="zh-TW" altLang="en-US" sz="5400" b="1" dirty="0" smtClean="0">
+                <a:latin typeface="微軟正黑體" pitchFamily="34" charset="-120"/>
+                <a:ea typeface="微軟正黑體" pitchFamily="34" charset="-120"/>
+              </a:rPr>
+              <a:t>應許</a:t>
+            </a:r>
+            <a:endParaRPr lang="en-US" altLang="zh-TW" sz="5400" b="1" dirty="0">
+              <a:latin typeface="微軟正黑體" pitchFamily="34" charset="-120"/>
+              <a:ea typeface="微軟正黑體" pitchFamily="34" charset="-120"/>
+            </a:endParaRPr>
+          </a:p>
+          <a:p>
+            <a:pPr algn="ctr">
+              <a:buNone/>
+            </a:pPr>
+            <a:r>
+              <a:rPr lang="zh-TW" altLang="en-US" sz="5400" b="1" dirty="0" smtClean="0">
+                <a:latin typeface="微軟正黑體" pitchFamily="34" charset="-120"/>
+                <a:ea typeface="微軟正黑體" pitchFamily="34" charset="-120"/>
+              </a:rPr>
+              <a:t>憑信</a:t>
+            </a:r>
+            <a:r>
+              <a:rPr lang="zh-TW" altLang="en-US" sz="5400" b="1" dirty="0">
+                <a:latin typeface="微軟正黑體" pitchFamily="34" charset="-120"/>
+                <a:ea typeface="微軟正黑體" pitchFamily="34" charset="-120"/>
+              </a:rPr>
+              <a:t>能夠發現在世間只是</a:t>
+            </a:r>
+            <a:r>
+              <a:rPr lang="zh-TW" altLang="en-US" sz="5400" b="1" dirty="0" smtClean="0">
+                <a:latin typeface="微軟正黑體" pitchFamily="34" charset="-120"/>
+                <a:ea typeface="微軟正黑體" pitchFamily="34" charset="-120"/>
+              </a:rPr>
+              <a:t>寄居</a:t>
+            </a:r>
+            <a:endParaRPr lang="en-US" altLang="zh-TW" sz="5400" b="1" dirty="0">
+              <a:latin typeface="微軟正黑體" pitchFamily="34" charset="-120"/>
+              <a:ea typeface="微軟正黑體" pitchFamily="34" charset="-120"/>
+            </a:endParaRPr>
+          </a:p>
+          <a:p>
+            <a:pPr algn="ctr">
+              <a:buNone/>
+            </a:pPr>
+            <a:r>
+              <a:rPr lang="zh-TW" altLang="en-US" sz="5400" b="1" dirty="0" smtClean="0">
+                <a:latin typeface="微軟正黑體" pitchFamily="34" charset="-120"/>
+                <a:ea typeface="微軟正黑體" pitchFamily="34" charset="-120"/>
+              </a:rPr>
+              <a:t>朝</a:t>
+            </a:r>
+            <a:r>
+              <a:rPr lang="zh-TW" altLang="en-US" sz="5400" b="1" dirty="0">
+                <a:latin typeface="微軟正黑體" pitchFamily="34" charset="-120"/>
+                <a:ea typeface="微軟正黑體" pitchFamily="34" charset="-120"/>
+              </a:rPr>
+              <a:t>更美家鄉走回去</a:t>
+            </a:r>
+          </a:p>
+        </p:txBody>
+      </p:sp>
+    </p:spTree>
+  </p:cSld>
+  <p:clrMapOvr>
+    <a:masterClrMapping/>
+  </p:clrMapOvr>
 </p:sld>
 </file>
 

--- a/一首讚美的詩歌.pptx
+++ b/一首讚美的詩歌.pptx
@@ -9,10 +9,6 @@
     <p:sldId id="259" r:id="rId3"/>
     <p:sldId id="258" r:id="rId4"/>
     <p:sldId id="260" r:id="rId5"/>
-    <p:sldId id="261" r:id="rId6"/>
-    <p:sldId id="262" r:id="rId7"/>
-    <p:sldId id="263" r:id="rId8"/>
-    <p:sldId id="264" r:id="rId9"/>
   </p:sldIdLst>
   <p:sldSz cx="9144000" cy="5143500" type="screen16x9"/>
   <p:notesSz cx="6858000" cy="9144000"/>
@@ -111,6 +107,22 @@
       </a:defRPr>
     </a:lvl9pPr>
   </p:defaultTextStyle>
+  <p:extLst>
+    <p:ext uri="{EFAFB233-063F-42B5-8137-9DF3F51BA10A}">
+      <p15:sldGuideLst xmlns:p15="http://schemas.microsoft.com/office/powerpoint/2012/main">
+        <p15:guide id="1" orient="horz" pos="1620">
+          <p15:clr>
+            <a:srgbClr val="A4A3A4"/>
+          </p15:clr>
+        </p15:guide>
+        <p15:guide id="2" pos="2880">
+          <p15:clr>
+            <a:srgbClr val="A4A3A4"/>
+          </p15:clr>
+        </p15:guide>
+      </p15:sldGuideLst>
+    </p:ext>
+  </p:extLst>
 </p:presentation>
 </file>
 
@@ -296,7 +308,7 @@
             <a:fld id="{AC437F70-6466-42FF-BF3B-62295FDEB6AD}" type="datetimeFigureOut">
               <a:rPr lang="zh-TW" altLang="en-US" smtClean="0"/>
               <a:pPr/>
-              <a:t>2020/2/4</a:t>
+              <a:t>2020/2/8</a:t>
             </a:fld>
             <a:endParaRPr lang="zh-TW" altLang="en-US"/>
           </a:p>
@@ -463,7 +475,7 @@
             <a:fld id="{AC437F70-6466-42FF-BF3B-62295FDEB6AD}" type="datetimeFigureOut">
               <a:rPr lang="zh-TW" altLang="en-US" smtClean="0"/>
               <a:pPr/>
-              <a:t>2020/2/4</a:t>
+              <a:t>2020/2/8</a:t>
             </a:fld>
             <a:endParaRPr lang="zh-TW" altLang="en-US"/>
           </a:p>
@@ -640,7 +652,7 @@
             <a:fld id="{AC437F70-6466-42FF-BF3B-62295FDEB6AD}" type="datetimeFigureOut">
               <a:rPr lang="zh-TW" altLang="en-US" smtClean="0"/>
               <a:pPr/>
-              <a:t>2020/2/4</a:t>
+              <a:t>2020/2/8</a:t>
             </a:fld>
             <a:endParaRPr lang="zh-TW" altLang="en-US"/>
           </a:p>
@@ -807,7 +819,7 @@
             <a:fld id="{AC437F70-6466-42FF-BF3B-62295FDEB6AD}" type="datetimeFigureOut">
               <a:rPr lang="zh-TW" altLang="en-US" smtClean="0"/>
               <a:pPr/>
-              <a:t>2020/2/4</a:t>
+              <a:t>2020/2/8</a:t>
             </a:fld>
             <a:endParaRPr lang="zh-TW" altLang="en-US"/>
           </a:p>
@@ -1050,7 +1062,7 @@
             <a:fld id="{AC437F70-6466-42FF-BF3B-62295FDEB6AD}" type="datetimeFigureOut">
               <a:rPr lang="zh-TW" altLang="en-US" smtClean="0"/>
               <a:pPr/>
-              <a:t>2020/2/4</a:t>
+              <a:t>2020/2/8</a:t>
             </a:fld>
             <a:endParaRPr lang="zh-TW" altLang="en-US"/>
           </a:p>
@@ -1335,7 +1347,7 @@
             <a:fld id="{AC437F70-6466-42FF-BF3B-62295FDEB6AD}" type="datetimeFigureOut">
               <a:rPr lang="zh-TW" altLang="en-US" smtClean="0"/>
               <a:pPr/>
-              <a:t>2020/2/4</a:t>
+              <a:t>2020/2/8</a:t>
             </a:fld>
             <a:endParaRPr lang="zh-TW" altLang="en-US"/>
           </a:p>
@@ -1754,7 +1766,7 @@
             <a:fld id="{AC437F70-6466-42FF-BF3B-62295FDEB6AD}" type="datetimeFigureOut">
               <a:rPr lang="zh-TW" altLang="en-US" smtClean="0"/>
               <a:pPr/>
-              <a:t>2020/2/4</a:t>
+              <a:t>2020/2/8</a:t>
             </a:fld>
             <a:endParaRPr lang="zh-TW" altLang="en-US"/>
           </a:p>
@@ -1869,7 +1881,7 @@
             <a:fld id="{AC437F70-6466-42FF-BF3B-62295FDEB6AD}" type="datetimeFigureOut">
               <a:rPr lang="zh-TW" altLang="en-US" smtClean="0"/>
               <a:pPr/>
-              <a:t>2020/2/4</a:t>
+              <a:t>2020/2/8</a:t>
             </a:fld>
             <a:endParaRPr lang="zh-TW" altLang="en-US"/>
           </a:p>
@@ -1961,7 +1973,7 @@
             <a:fld id="{AC437F70-6466-42FF-BF3B-62295FDEB6AD}" type="datetimeFigureOut">
               <a:rPr lang="zh-TW" altLang="en-US" smtClean="0"/>
               <a:pPr/>
-              <a:t>2020/2/4</a:t>
+              <a:t>2020/2/8</a:t>
             </a:fld>
             <a:endParaRPr lang="zh-TW" altLang="en-US"/>
           </a:p>
@@ -2235,7 +2247,7 @@
             <a:fld id="{AC437F70-6466-42FF-BF3B-62295FDEB6AD}" type="datetimeFigureOut">
               <a:rPr lang="zh-TW" altLang="en-US" smtClean="0"/>
               <a:pPr/>
-              <a:t>2020/2/4</a:t>
+              <a:t>2020/2/8</a:t>
             </a:fld>
             <a:endParaRPr lang="zh-TW" altLang="en-US"/>
           </a:p>
@@ -2489,7 +2501,7 @@
             <a:fld id="{AC437F70-6466-42FF-BF3B-62295FDEB6AD}" type="datetimeFigureOut">
               <a:rPr lang="zh-TW" altLang="en-US" smtClean="0"/>
               <a:pPr/>
-              <a:t>2020/2/4</a:t>
+              <a:t>2020/2/8</a:t>
             </a:fld>
             <a:endParaRPr lang="zh-TW" altLang="en-US"/>
           </a:p>
@@ -2704,7 +2716,7 @@
             <a:fld id="{AC437F70-6466-42FF-BF3B-62295FDEB6AD}" type="datetimeFigureOut">
               <a:rPr lang="zh-TW" altLang="en-US" smtClean="0"/>
               <a:pPr/>
-              <a:t>2020/2/4</a:t>
+              <a:t>2020/2/8</a:t>
             </a:fld>
             <a:endParaRPr lang="zh-TW" altLang="en-US"/>
           </a:p>
@@ -3428,18 +3440,25 @@
               <a:buNone/>
             </a:pPr>
             <a:r>
+              <a:rPr lang="zh-CN" altLang="en-US" sz="4800" b="1" dirty="0">
+                <a:latin typeface="Microsoft JhengHei" pitchFamily="34" charset="-120"/>
+                <a:ea typeface="Microsoft JhengHei" pitchFamily="34" charset="-120"/>
+              </a:rPr>
+              <a:t>袮</a:t>
+            </a:r>
+            <a:r>
               <a:rPr lang="zh-TW" altLang="en-US" sz="4800" b="1" dirty="0" smtClean="0">
                 <a:latin typeface="Microsoft JhengHei" pitchFamily="34" charset="-120"/>
                 <a:ea typeface="Microsoft JhengHei" pitchFamily="34" charset="-120"/>
               </a:rPr>
-              <a:t>你</a:t>
+              <a:t>是</a:t>
             </a:r>
             <a:r>
               <a:rPr lang="zh-TW" altLang="en-US" sz="4800" b="1" dirty="0">
                 <a:latin typeface="Microsoft JhengHei" pitchFamily="34" charset="-120"/>
                 <a:ea typeface="Microsoft JhengHei" pitchFamily="34" charset="-120"/>
               </a:rPr>
-              <a:t>是配得榮</a:t>
+              <a:t>配得榮</a:t>
             </a:r>
             <a:r>
               <a:rPr lang="zh-TW" altLang="en-US" sz="4800" b="1" dirty="0" smtClean="0">
@@ -3555,7 +3574,21 @@
                 <a:latin typeface="Microsoft JhengHei" pitchFamily="34" charset="-120"/>
                 <a:ea typeface="Microsoft JhengHei" pitchFamily="34" charset="-120"/>
               </a:rPr>
-              <a:t>活著原是要將榮耀歸你</a:t>
+              <a:t>活著原是要將榮耀</a:t>
+            </a:r>
+            <a:r>
+              <a:rPr lang="zh-TW" altLang="en-US" sz="4800" b="1" dirty="0" smtClean="0">
+                <a:latin typeface="Microsoft JhengHei" pitchFamily="34" charset="-120"/>
+                <a:ea typeface="Microsoft JhengHei" pitchFamily="34" charset="-120"/>
+              </a:rPr>
+              <a:t>歸</a:t>
+            </a:r>
+            <a:r>
+              <a:rPr lang="zh-CN" altLang="en-US" sz="4800" b="1" dirty="0">
+                <a:latin typeface="Microsoft JhengHei" pitchFamily="34" charset="-120"/>
+                <a:ea typeface="Microsoft JhengHei" pitchFamily="34" charset="-120"/>
+              </a:rPr>
+              <a:t>袮</a:t>
             </a:r>
             <a:endParaRPr lang="en-US" altLang="zh-TW" sz="4800" b="1" dirty="0">
               <a:latin typeface="Microsoft JhengHei" pitchFamily="34" charset="-120"/>
@@ -3595,7 +3628,7 @@
     </p:spTree>
     <p:extLst>
       <p:ext uri="{BB962C8B-B14F-4D97-AF65-F5344CB8AC3E}">
-        <p14:creationId xmlns:p14="http://schemas.microsoft.com/office/powerpoint/2010/main" xmlns="" val="194390261"/>
+        <p14:creationId xmlns:p14="http://schemas.microsoft.com/office/powerpoint/2010/main" val="194390261"/>
       </p:ext>
     </p:extLst>
   </p:cSld>
@@ -3609,731 +3642,6 @@
       </p:par>
     </p:tnLst>
   </p:timing>
-</p:sld>
-</file>
-
-<file path=ppt/slides/slide5.xml><?xml version="1.0" encoding="utf-8"?>
-<p:sld xmlns:a="http://schemas.openxmlformats.org/drawingml/2006/main" xmlns:r="http://schemas.openxmlformats.org/officeDocument/2006/relationships" xmlns:p="http://schemas.openxmlformats.org/presentationml/2006/main">
-  <p:cSld>
-    <p:spTree>
-      <p:nvGrpSpPr>
-        <p:cNvPr id="1" name=""/>
-        <p:cNvGrpSpPr/>
-        <p:nvPr/>
-      </p:nvGrpSpPr>
-      <p:grpSpPr>
-        <a:xfrm>
-          <a:off x="0" y="0"/>
-          <a:ext cx="0" cy="0"/>
-          <a:chOff x="0" y="0"/>
-          <a:chExt cx="0" cy="0"/>
-        </a:xfrm>
-      </p:grpSpPr>
-      <p:sp>
-        <p:nvSpPr>
-          <p:cNvPr id="4" name="標題 3"/>
-          <p:cNvSpPr>
-            <a:spLocks noGrp="1"/>
-          </p:cNvSpPr>
-          <p:nvPr>
-            <p:ph type="title"/>
-          </p:nvPr>
-        </p:nvSpPr>
-        <p:spPr/>
-        <p:txBody>
-          <a:bodyPr/>
-          <a:lstStyle/>
-          <a:p>
-            <a:r>
-              <a:rPr lang="zh-TW" altLang="en-US" b="1" dirty="0">
-                <a:latin typeface="微軟正黑體" pitchFamily="34" charset="-120"/>
-                <a:ea typeface="微軟正黑體" pitchFamily="34" charset="-120"/>
-              </a:rPr>
-              <a:t>因著信</a:t>
-            </a:r>
-          </a:p>
-        </p:txBody>
-      </p:sp>
-      <p:sp>
-        <p:nvSpPr>
-          <p:cNvPr id="5" name="內容版面配置區 4"/>
-          <p:cNvSpPr>
-            <a:spLocks noGrp="1"/>
-          </p:cNvSpPr>
-          <p:nvPr>
-            <p:ph idx="1"/>
-          </p:nvPr>
-        </p:nvSpPr>
-        <p:spPr/>
-        <p:txBody>
-          <a:bodyPr>
-            <a:normAutofit/>
-          </a:bodyPr>
-          <a:lstStyle/>
-          <a:p>
-            <a:pPr algn="ctr">
-              <a:buNone/>
-            </a:pPr>
-            <a:r>
-              <a:rPr lang="zh-TW" altLang="en-US" sz="5400" b="1" dirty="0">
-                <a:latin typeface="微軟正黑體" pitchFamily="34" charset="-120"/>
-                <a:ea typeface="微軟正黑體" pitchFamily="34" charset="-120"/>
-              </a:rPr>
-              <a:t>憑信 他離別吾</a:t>
-            </a:r>
-            <a:r>
-              <a:rPr lang="zh-TW" altLang="en-US" sz="5400" b="1" dirty="0" smtClean="0">
-                <a:latin typeface="微軟正黑體" pitchFamily="34" charset="-120"/>
-                <a:ea typeface="微軟正黑體" pitchFamily="34" charset="-120"/>
-              </a:rPr>
-              <a:t>珥</a:t>
-            </a:r>
-            <a:endParaRPr lang="en-US" altLang="zh-TW" sz="5400" b="1" dirty="0">
-              <a:latin typeface="微軟正黑體" pitchFamily="34" charset="-120"/>
-              <a:ea typeface="微軟正黑體" pitchFamily="34" charset="-120"/>
-            </a:endParaRPr>
-          </a:p>
-          <a:p>
-            <a:pPr algn="ctr">
-              <a:buNone/>
-            </a:pPr>
-            <a:r>
-              <a:rPr lang="zh-TW" altLang="en-US" sz="5400" b="1" dirty="0" smtClean="0">
-                <a:latin typeface="微軟正黑體" pitchFamily="34" charset="-120"/>
-                <a:ea typeface="微軟正黑體" pitchFamily="34" charset="-120"/>
-              </a:rPr>
-              <a:t>因</a:t>
-            </a:r>
-            <a:r>
-              <a:rPr lang="zh-TW" altLang="en-US" sz="5400" b="1" dirty="0">
-                <a:latin typeface="微軟正黑體" pitchFamily="34" charset="-120"/>
-                <a:ea typeface="微軟正黑體" pitchFamily="34" charset="-120"/>
-              </a:rPr>
-              <a:t>信 全然奉上</a:t>
-            </a:r>
-            <a:r>
-              <a:rPr lang="zh-TW" altLang="en-US" sz="5400" b="1" dirty="0" smtClean="0">
-                <a:latin typeface="微軟正黑體" pitchFamily="34" charset="-120"/>
-                <a:ea typeface="微軟正黑體" pitchFamily="34" charset="-120"/>
-              </a:rPr>
-              <a:t>愛子</a:t>
-            </a:r>
-            <a:endParaRPr lang="en-US" altLang="zh-TW" sz="5400" b="1" dirty="0">
-              <a:latin typeface="微軟正黑體" pitchFamily="34" charset="-120"/>
-              <a:ea typeface="微軟正黑體" pitchFamily="34" charset="-120"/>
-            </a:endParaRPr>
-          </a:p>
-          <a:p>
-            <a:pPr algn="ctr">
-              <a:buNone/>
-            </a:pPr>
-            <a:r>
-              <a:rPr lang="zh-TW" altLang="en-US" sz="5400" b="1" dirty="0" smtClean="0">
-                <a:latin typeface="微軟正黑體" pitchFamily="34" charset="-120"/>
-                <a:ea typeface="微軟正黑體" pitchFamily="34" charset="-120"/>
-              </a:rPr>
-              <a:t>憑信 </a:t>
-            </a:r>
-            <a:r>
-              <a:rPr lang="zh-TW" altLang="en-US" sz="5400" b="1" dirty="0">
-                <a:latin typeface="微軟正黑體" pitchFamily="34" charset="-120"/>
-                <a:ea typeface="微軟正黑體" pitchFamily="34" charset="-120"/>
-              </a:rPr>
-              <a:t>還有人全力抓住</a:t>
-            </a:r>
-            <a:r>
-              <a:rPr lang="zh-TW" altLang="en-US" sz="5400" b="1" dirty="0" smtClean="0">
-                <a:latin typeface="微軟正黑體" pitchFamily="34" charset="-120"/>
-                <a:ea typeface="微軟正黑體" pitchFamily="34" charset="-120"/>
-              </a:rPr>
-              <a:t>天使</a:t>
-            </a:r>
-            <a:endParaRPr lang="en-US" altLang="zh-TW" sz="5400" b="1" dirty="0">
-              <a:latin typeface="微軟正黑體" pitchFamily="34" charset="-120"/>
-              <a:ea typeface="微軟正黑體" pitchFamily="34" charset="-120"/>
-            </a:endParaRPr>
-          </a:p>
-          <a:p>
-            <a:pPr algn="ctr">
-              <a:buNone/>
-            </a:pPr>
-            <a:r>
-              <a:rPr lang="zh-TW" altLang="en-US" sz="5400" b="1" dirty="0" smtClean="0">
-                <a:latin typeface="微軟正黑體" pitchFamily="34" charset="-120"/>
-                <a:ea typeface="微軟正黑體" pitchFamily="34" charset="-120"/>
-              </a:rPr>
-              <a:t>羸</a:t>
-            </a:r>
-            <a:r>
-              <a:rPr lang="zh-TW" altLang="en-US" sz="5400" b="1" dirty="0">
-                <a:latin typeface="微軟正黑體" pitchFamily="34" charset="-120"/>
-                <a:ea typeface="微軟正黑體" pitchFamily="34" charset="-120"/>
-              </a:rPr>
-              <a:t>到祝福 換了名字</a:t>
-            </a:r>
-          </a:p>
-        </p:txBody>
-      </p:sp>
-    </p:spTree>
-  </p:cSld>
-  <p:clrMapOvr>
-    <a:masterClrMapping/>
-  </p:clrMapOvr>
-</p:sld>
-</file>
-
-<file path=ppt/slides/slide6.xml><?xml version="1.0" encoding="utf-8"?>
-<p:sld xmlns:a="http://schemas.openxmlformats.org/drawingml/2006/main" xmlns:r="http://schemas.openxmlformats.org/officeDocument/2006/relationships" xmlns:p="http://schemas.openxmlformats.org/presentationml/2006/main">
-  <p:cSld>
-    <p:spTree>
-      <p:nvGrpSpPr>
-        <p:cNvPr id="1" name=""/>
-        <p:cNvGrpSpPr/>
-        <p:nvPr/>
-      </p:nvGrpSpPr>
-      <p:grpSpPr>
-        <a:xfrm>
-          <a:off x="0" y="0"/>
-          <a:ext cx="0" cy="0"/>
-          <a:chOff x="0" y="0"/>
-          <a:chExt cx="0" cy="0"/>
-        </a:xfrm>
-      </p:grpSpPr>
-      <p:sp>
-        <p:nvSpPr>
-          <p:cNvPr id="4" name="標題 3"/>
-          <p:cNvSpPr>
-            <a:spLocks noGrp="1"/>
-          </p:cNvSpPr>
-          <p:nvPr>
-            <p:ph type="title"/>
-          </p:nvPr>
-        </p:nvSpPr>
-        <p:spPr/>
-        <p:txBody>
-          <a:bodyPr/>
-          <a:lstStyle/>
-          <a:p>
-            <a:r>
-              <a:rPr lang="zh-TW" altLang="en-US" b="1" dirty="0">
-                <a:latin typeface="微軟正黑體" pitchFamily="34" charset="-120"/>
-                <a:ea typeface="微軟正黑體" pitchFamily="34" charset="-120"/>
-              </a:rPr>
-              <a:t>因著信</a:t>
-            </a:r>
-          </a:p>
-        </p:txBody>
-      </p:sp>
-      <p:sp>
-        <p:nvSpPr>
-          <p:cNvPr id="5" name="內容版面配置區 4"/>
-          <p:cNvSpPr>
-            <a:spLocks noGrp="1"/>
-          </p:cNvSpPr>
-          <p:nvPr>
-            <p:ph idx="1"/>
-          </p:nvPr>
-        </p:nvSpPr>
-        <p:spPr>
-          <a:xfrm>
-            <a:off x="0" y="1200151"/>
-            <a:ext cx="9144000" cy="3394472"/>
-          </a:xfrm>
-        </p:spPr>
-        <p:txBody>
-          <a:bodyPr>
-            <a:normAutofit/>
-          </a:bodyPr>
-          <a:lstStyle/>
-          <a:p>
-            <a:pPr algn="ctr">
-              <a:buNone/>
-            </a:pPr>
-            <a:r>
-              <a:rPr lang="zh-TW" altLang="en-US" sz="5400" b="1" dirty="0">
-                <a:latin typeface="微軟正黑體" pitchFamily="34" charset="-120"/>
-                <a:ea typeface="微軟正黑體" pitchFamily="34" charset="-120"/>
-              </a:rPr>
-              <a:t>憑信 他行近</a:t>
-            </a:r>
-            <a:r>
-              <a:rPr lang="zh-TW" altLang="en-US" sz="5400" b="1" dirty="0" smtClean="0">
-                <a:latin typeface="微軟正黑體" pitchFamily="34" charset="-120"/>
-                <a:ea typeface="微軟正黑體" pitchFamily="34" charset="-120"/>
-              </a:rPr>
-              <a:t>紅海</a:t>
-            </a:r>
-            <a:endParaRPr lang="en-US" altLang="zh-TW" sz="5400" b="1" dirty="0">
-              <a:latin typeface="微軟正黑體" pitchFamily="34" charset="-120"/>
-              <a:ea typeface="微軟正黑體" pitchFamily="34" charset="-120"/>
-            </a:endParaRPr>
-          </a:p>
-          <a:p>
-            <a:pPr algn="ctr">
-              <a:buNone/>
-            </a:pPr>
-            <a:r>
-              <a:rPr lang="zh-TW" altLang="en-US" sz="5400" b="1" dirty="0" smtClean="0">
-                <a:latin typeface="微軟正黑體" pitchFamily="34" charset="-120"/>
-                <a:ea typeface="微軟正黑體" pitchFamily="34" charset="-120"/>
-              </a:rPr>
-              <a:t>因</a:t>
-            </a:r>
-            <a:r>
-              <a:rPr lang="zh-TW" altLang="en-US" sz="5400" b="1" dirty="0">
-                <a:latin typeface="微軟正黑體" pitchFamily="34" charset="-120"/>
-                <a:ea typeface="微軟正黑體" pitchFamily="34" charset="-120"/>
-              </a:rPr>
-              <a:t>信 連潮浪也</a:t>
-            </a:r>
-            <a:r>
-              <a:rPr lang="zh-TW" altLang="en-US" sz="5400" b="1" dirty="0" smtClean="0">
-                <a:latin typeface="微軟正黑體" pitchFamily="34" charset="-120"/>
-                <a:ea typeface="微軟正黑體" pitchFamily="34" charset="-120"/>
-              </a:rPr>
-              <a:t>分開</a:t>
-            </a:r>
-            <a:endParaRPr lang="en-US" altLang="zh-TW" sz="5400" b="1" dirty="0">
-              <a:latin typeface="微軟正黑體" pitchFamily="34" charset="-120"/>
-              <a:ea typeface="微軟正黑體" pitchFamily="34" charset="-120"/>
-            </a:endParaRPr>
-          </a:p>
-          <a:p>
-            <a:pPr algn="ctr">
-              <a:buNone/>
-            </a:pPr>
-            <a:r>
-              <a:rPr lang="zh-TW" altLang="en-US" sz="5400" b="1" dirty="0" smtClean="0">
-                <a:latin typeface="微軟正黑體" pitchFamily="34" charset="-120"/>
-                <a:ea typeface="微軟正黑體" pitchFamily="34" charset="-120"/>
-              </a:rPr>
-              <a:t>憑信 </a:t>
-            </a:r>
-            <a:r>
-              <a:rPr lang="zh-TW" altLang="en-US" sz="5400" b="1" dirty="0">
-                <a:latin typeface="微軟正黑體" pitchFamily="34" charset="-120"/>
-                <a:ea typeface="微軟正黑體" pitchFamily="34" charset="-120"/>
-              </a:rPr>
-              <a:t>曾有人被困於獅子</a:t>
-            </a:r>
-            <a:r>
-              <a:rPr lang="zh-TW" altLang="en-US" sz="5400" b="1" dirty="0" smtClean="0">
-                <a:latin typeface="微軟正黑體" pitchFamily="34" charset="-120"/>
-                <a:ea typeface="微軟正黑體" pitchFamily="34" charset="-120"/>
-              </a:rPr>
-              <a:t>坑內</a:t>
-            </a:r>
-            <a:endParaRPr lang="en-US" altLang="zh-TW" sz="5400" b="1" dirty="0">
-              <a:latin typeface="微軟正黑體" pitchFamily="34" charset="-120"/>
-              <a:ea typeface="微軟正黑體" pitchFamily="34" charset="-120"/>
-            </a:endParaRPr>
-          </a:p>
-          <a:p>
-            <a:pPr algn="ctr">
-              <a:buNone/>
-            </a:pPr>
-            <a:r>
-              <a:rPr lang="zh-TW" altLang="en-US" sz="5400" b="1" dirty="0" smtClean="0">
-                <a:latin typeface="微軟正黑體" pitchFamily="34" charset="-120"/>
-                <a:ea typeface="微軟正黑體" pitchFamily="34" charset="-120"/>
-              </a:rPr>
-              <a:t>仍</a:t>
-            </a:r>
-            <a:r>
-              <a:rPr lang="zh-TW" altLang="en-US" sz="5400" b="1" dirty="0">
-                <a:latin typeface="微軟正黑體" pitchFamily="34" charset="-120"/>
-                <a:ea typeface="微軟正黑體" pitchFamily="34" charset="-120"/>
-              </a:rPr>
-              <a:t>敬拜上帝 發誓至死不改</a:t>
-            </a:r>
-          </a:p>
-        </p:txBody>
-      </p:sp>
-    </p:spTree>
-  </p:cSld>
-  <p:clrMapOvr>
-    <a:masterClrMapping/>
-  </p:clrMapOvr>
-</p:sld>
-</file>
-
-<file path=ppt/slides/slide7.xml><?xml version="1.0" encoding="utf-8"?>
-<p:sld xmlns:a="http://schemas.openxmlformats.org/drawingml/2006/main" xmlns:r="http://schemas.openxmlformats.org/officeDocument/2006/relationships" xmlns:p="http://schemas.openxmlformats.org/presentationml/2006/main">
-  <p:cSld>
-    <p:spTree>
-      <p:nvGrpSpPr>
-        <p:cNvPr id="1" name=""/>
-        <p:cNvGrpSpPr/>
-        <p:nvPr/>
-      </p:nvGrpSpPr>
-      <p:grpSpPr>
-        <a:xfrm>
-          <a:off x="0" y="0"/>
-          <a:ext cx="0" cy="0"/>
-          <a:chOff x="0" y="0"/>
-          <a:chExt cx="0" cy="0"/>
-        </a:xfrm>
-      </p:grpSpPr>
-      <p:sp>
-        <p:nvSpPr>
-          <p:cNvPr id="4" name="標題 3"/>
-          <p:cNvSpPr>
-            <a:spLocks noGrp="1"/>
-          </p:cNvSpPr>
-          <p:nvPr>
-            <p:ph type="title"/>
-          </p:nvPr>
-        </p:nvSpPr>
-        <p:spPr/>
-        <p:txBody>
-          <a:bodyPr/>
-          <a:lstStyle/>
-          <a:p>
-            <a:r>
-              <a:rPr lang="zh-TW" altLang="en-US" b="1" dirty="0">
-                <a:latin typeface="微軟正黑體" pitchFamily="34" charset="-120"/>
-                <a:ea typeface="微軟正黑體" pitchFamily="34" charset="-120"/>
-              </a:rPr>
-              <a:t>因著信</a:t>
-            </a:r>
-          </a:p>
-        </p:txBody>
-      </p:sp>
-      <p:sp>
-        <p:nvSpPr>
-          <p:cNvPr id="5" name="內容版面配置區 4"/>
-          <p:cNvSpPr>
-            <a:spLocks noGrp="1"/>
-          </p:cNvSpPr>
-          <p:nvPr>
-            <p:ph idx="1"/>
-          </p:nvPr>
-        </p:nvSpPr>
-        <p:spPr>
-          <a:xfrm>
-            <a:off x="0" y="1200151"/>
-            <a:ext cx="9144000" cy="3394472"/>
-          </a:xfrm>
-        </p:spPr>
-        <p:txBody>
-          <a:bodyPr>
-            <a:normAutofit fontScale="92500"/>
-          </a:bodyPr>
-          <a:lstStyle/>
-          <a:p>
-            <a:pPr algn="ctr">
-              <a:buNone/>
-            </a:pPr>
-            <a:r>
-              <a:rPr lang="zh-TW" altLang="en-US" sz="5400" b="1" dirty="0">
-                <a:latin typeface="微軟正黑體" pitchFamily="34" charset="-120"/>
-                <a:ea typeface="微軟正黑體" pitchFamily="34" charset="-120"/>
-              </a:rPr>
-              <a:t>在某天他下決心圍繞在城</a:t>
-            </a:r>
-            <a:r>
-              <a:rPr lang="zh-TW" altLang="en-US" sz="5400" b="1" dirty="0" smtClean="0">
-                <a:latin typeface="微軟正黑體" pitchFamily="34" charset="-120"/>
-                <a:ea typeface="微軟正黑體" pitchFamily="34" charset="-120"/>
-              </a:rPr>
-              <a:t>外</a:t>
-            </a:r>
-            <a:endParaRPr lang="en-US" altLang="zh-TW" sz="5400" b="1" dirty="0">
-              <a:latin typeface="微軟正黑體" pitchFamily="34" charset="-120"/>
-              <a:ea typeface="微軟正黑體" pitchFamily="34" charset="-120"/>
-            </a:endParaRPr>
-          </a:p>
-          <a:p>
-            <a:pPr algn="ctr">
-              <a:buNone/>
-            </a:pPr>
-            <a:r>
-              <a:rPr lang="zh-TW" altLang="en-US" sz="5400" b="1" dirty="0" smtClean="0">
-                <a:latin typeface="微軟正黑體" pitchFamily="34" charset="-120"/>
-                <a:ea typeface="微軟正黑體" pitchFamily="34" charset="-120"/>
-              </a:rPr>
-              <a:t>憑信</a:t>
-            </a:r>
-            <a:r>
-              <a:rPr lang="zh-TW" altLang="en-US" sz="5400" b="1" dirty="0">
-                <a:latin typeface="微軟正黑體" pitchFamily="34" charset="-120"/>
-                <a:ea typeface="微軟正黑體" pitchFamily="34" charset="-120"/>
-              </a:rPr>
-              <a:t>放聲呼喊 城牆便倒塌</a:t>
-            </a:r>
-            <a:r>
-              <a:rPr lang="zh-TW" altLang="en-US" sz="5400" b="1" dirty="0" smtClean="0">
-                <a:latin typeface="微軟正黑體" pitchFamily="34" charset="-120"/>
-                <a:ea typeface="微軟正黑體" pitchFamily="34" charset="-120"/>
-              </a:rPr>
-              <a:t>下來</a:t>
-            </a:r>
-            <a:endParaRPr lang="en-US" altLang="zh-TW" sz="5400" b="1" dirty="0">
-              <a:latin typeface="微軟正黑體" pitchFamily="34" charset="-120"/>
-              <a:ea typeface="微軟正黑體" pitchFamily="34" charset="-120"/>
-            </a:endParaRPr>
-          </a:p>
-          <a:p>
-            <a:pPr algn="ctr">
-              <a:buNone/>
-            </a:pPr>
-            <a:r>
-              <a:rPr lang="zh-TW" altLang="en-US" sz="5400" b="1" dirty="0" smtClean="0">
-                <a:latin typeface="微軟正黑體" pitchFamily="34" charset="-120"/>
-                <a:ea typeface="微軟正黑體" pitchFamily="34" charset="-120"/>
-              </a:rPr>
-              <a:t>又</a:t>
-            </a:r>
-            <a:r>
-              <a:rPr lang="zh-TW" altLang="en-US" sz="5400" b="1" dirty="0">
-                <a:latin typeface="微軟正黑體" pitchFamily="34" charset="-120"/>
-                <a:ea typeface="微軟正黑體" pitchFamily="34" charset="-120"/>
-              </a:rPr>
-              <a:t>有先知被掳</a:t>
-            </a:r>
-            <a:r>
-              <a:rPr lang="zh-TW" altLang="en-US" sz="5400" b="1" dirty="0" smtClean="0">
-                <a:latin typeface="微軟正黑體" pitchFamily="34" charset="-120"/>
-                <a:ea typeface="微軟正黑體" pitchFamily="34" charset="-120"/>
-              </a:rPr>
-              <a:t>他方</a:t>
-            </a:r>
-            <a:endParaRPr lang="en-US" altLang="zh-TW" sz="5400" b="1" dirty="0" smtClean="0">
-              <a:latin typeface="微軟正黑體" pitchFamily="34" charset="-120"/>
-              <a:ea typeface="微軟正黑體" pitchFamily="34" charset="-120"/>
-            </a:endParaRPr>
-          </a:p>
-          <a:p>
-            <a:pPr algn="ctr">
-              <a:buNone/>
-            </a:pPr>
-            <a:r>
-              <a:rPr lang="zh-TW" altLang="en-US" sz="5400" b="1" dirty="0" smtClean="0">
-                <a:latin typeface="微軟正黑體" pitchFamily="34" charset="-120"/>
-                <a:ea typeface="微軟正黑體" pitchFamily="34" charset="-120"/>
-              </a:rPr>
-              <a:t>常</a:t>
-            </a:r>
-            <a:r>
-              <a:rPr lang="zh-TW" altLang="en-US" sz="5400" b="1" dirty="0">
-                <a:latin typeface="微軟正黑體" pitchFamily="34" charset="-120"/>
-                <a:ea typeface="微軟正黑體" pitchFamily="34" charset="-120"/>
-              </a:rPr>
-              <a:t>在心裏靜</a:t>
-            </a:r>
-            <a:r>
-              <a:rPr lang="zh-TW" altLang="en-US" sz="5400" b="1" dirty="0" smtClean="0">
-                <a:latin typeface="微軟正黑體" pitchFamily="34" charset="-120"/>
-                <a:ea typeface="微軟正黑體" pitchFamily="34" charset="-120"/>
-              </a:rPr>
-              <a:t>待</a:t>
-            </a:r>
-            <a:endParaRPr lang="en-US" altLang="zh-TW" sz="5400" b="1" dirty="0">
-              <a:latin typeface="微軟正黑體" pitchFamily="34" charset="-120"/>
-              <a:ea typeface="微軟正黑體" pitchFamily="34" charset="-120"/>
-            </a:endParaRPr>
-          </a:p>
-          <a:p>
-            <a:pPr algn="ctr">
-              <a:buNone/>
-            </a:pPr>
-            <a:r>
-              <a:rPr lang="zh-TW" altLang="en-US" sz="5400" b="1" dirty="0" smtClean="0">
-                <a:latin typeface="微軟正黑體" pitchFamily="34" charset="-120"/>
-                <a:ea typeface="微軟正黑體" pitchFamily="34" charset="-120"/>
-              </a:rPr>
-              <a:t>仍</a:t>
-            </a:r>
-            <a:r>
-              <a:rPr lang="zh-TW" altLang="en-US" sz="5400" b="1" dirty="0">
-                <a:latin typeface="微軟正黑體" pitchFamily="34" charset="-120"/>
-                <a:ea typeface="微軟正黑體" pitchFamily="34" charset="-120"/>
-              </a:rPr>
-              <a:t>確信上帝榮耀會回來</a:t>
-            </a:r>
-          </a:p>
-        </p:txBody>
-      </p:sp>
-    </p:spTree>
-  </p:cSld>
-  <p:clrMapOvr>
-    <a:masterClrMapping/>
-  </p:clrMapOvr>
-</p:sld>
-</file>
-
-<file path=ppt/slides/slide8.xml><?xml version="1.0" encoding="utf-8"?>
-<p:sld xmlns:a="http://schemas.openxmlformats.org/drawingml/2006/main" xmlns:r="http://schemas.openxmlformats.org/officeDocument/2006/relationships" xmlns:p="http://schemas.openxmlformats.org/presentationml/2006/main">
-  <p:cSld>
-    <p:spTree>
-      <p:nvGrpSpPr>
-        <p:cNvPr id="1" name=""/>
-        <p:cNvGrpSpPr/>
-        <p:nvPr/>
-      </p:nvGrpSpPr>
-      <p:grpSpPr>
-        <a:xfrm>
-          <a:off x="0" y="0"/>
-          <a:ext cx="0" cy="0"/>
-          <a:chOff x="0" y="0"/>
-          <a:chExt cx="0" cy="0"/>
-        </a:xfrm>
-      </p:grpSpPr>
-      <p:sp>
-        <p:nvSpPr>
-          <p:cNvPr id="4" name="標題 3"/>
-          <p:cNvSpPr>
-            <a:spLocks noGrp="1"/>
-          </p:cNvSpPr>
-          <p:nvPr>
-            <p:ph type="title"/>
-          </p:nvPr>
-        </p:nvSpPr>
-        <p:spPr/>
-        <p:txBody>
-          <a:bodyPr/>
-          <a:lstStyle/>
-          <a:p>
-            <a:r>
-              <a:rPr lang="zh-TW" altLang="en-US" b="1" dirty="0">
-                <a:latin typeface="微軟正黑體" pitchFamily="34" charset="-120"/>
-                <a:ea typeface="微軟正黑體" pitchFamily="34" charset="-120"/>
-              </a:rPr>
-              <a:t>因著信</a:t>
-            </a:r>
-          </a:p>
-        </p:txBody>
-      </p:sp>
-      <p:sp>
-        <p:nvSpPr>
-          <p:cNvPr id="5" name="內容版面配置區 4"/>
-          <p:cNvSpPr>
-            <a:spLocks noGrp="1"/>
-          </p:cNvSpPr>
-          <p:nvPr>
-            <p:ph idx="1"/>
-          </p:nvPr>
-        </p:nvSpPr>
-        <p:spPr>
-          <a:xfrm>
-            <a:off x="0" y="1200151"/>
-            <a:ext cx="9144000" cy="3394472"/>
-          </a:xfrm>
-        </p:spPr>
-        <p:txBody>
-          <a:bodyPr>
-            <a:normAutofit/>
-          </a:bodyPr>
-          <a:lstStyle/>
-          <a:p>
-            <a:pPr algn="ctr">
-              <a:buNone/>
-            </a:pPr>
-            <a:r>
-              <a:rPr lang="zh-TW" altLang="en-US" sz="5400" b="1" dirty="0">
-                <a:latin typeface="微軟正黑體" pitchFamily="34" charset="-120"/>
-                <a:ea typeface="微軟正黑體" pitchFamily="34" charset="-120"/>
-              </a:rPr>
-              <a:t>憑信 我們懷著</a:t>
-            </a:r>
-            <a:r>
-              <a:rPr lang="zh-TW" altLang="en-US" sz="5400" b="1" dirty="0" smtClean="0">
-                <a:latin typeface="微軟正黑體" pitchFamily="34" charset="-120"/>
-                <a:ea typeface="微軟正黑體" pitchFamily="34" charset="-120"/>
-              </a:rPr>
-              <a:t>憑據</a:t>
-            </a:r>
-            <a:endParaRPr lang="en-US" altLang="zh-TW" sz="5400" b="1" dirty="0">
-              <a:latin typeface="微軟正黑體" pitchFamily="34" charset="-120"/>
-              <a:ea typeface="微軟正黑體" pitchFamily="34" charset="-120"/>
-            </a:endParaRPr>
-          </a:p>
-          <a:p>
-            <a:pPr algn="ctr">
-              <a:buNone/>
-            </a:pPr>
-            <a:r>
-              <a:rPr lang="zh-TW" altLang="en-US" sz="5400" b="1" dirty="0" smtClean="0">
-                <a:latin typeface="微軟正黑體" pitchFamily="34" charset="-120"/>
-                <a:ea typeface="微軟正黑體" pitchFamily="34" charset="-120"/>
-              </a:rPr>
-              <a:t>因</a:t>
-            </a:r>
-            <a:r>
-              <a:rPr lang="zh-TW" altLang="en-US" sz="5400" b="1" dirty="0">
-                <a:latin typeface="微軟正黑體" pitchFamily="34" charset="-120"/>
-                <a:ea typeface="微軟正黑體" pitchFamily="34" charset="-120"/>
-              </a:rPr>
-              <a:t>信 同尋著了</a:t>
-            </a:r>
-            <a:r>
-              <a:rPr lang="zh-TW" altLang="en-US" sz="5400" b="1" dirty="0" smtClean="0">
-                <a:latin typeface="微軟正黑體" pitchFamily="34" charset="-120"/>
-                <a:ea typeface="微軟正黑體" pitchFamily="34" charset="-120"/>
-              </a:rPr>
-              <a:t>應許</a:t>
-            </a:r>
-            <a:endParaRPr lang="en-US" altLang="zh-TW" sz="5400" b="1" dirty="0">
-              <a:latin typeface="微軟正黑體" pitchFamily="34" charset="-120"/>
-              <a:ea typeface="微軟正黑體" pitchFamily="34" charset="-120"/>
-            </a:endParaRPr>
-          </a:p>
-          <a:p>
-            <a:pPr algn="ctr">
-              <a:buNone/>
-            </a:pPr>
-            <a:r>
-              <a:rPr lang="zh-TW" altLang="en-US" sz="5400" b="1" dirty="0" smtClean="0">
-                <a:latin typeface="微軟正黑體" pitchFamily="34" charset="-120"/>
-                <a:ea typeface="微軟正黑體" pitchFamily="34" charset="-120"/>
-              </a:rPr>
-              <a:t>憑信</a:t>
-            </a:r>
-            <a:r>
-              <a:rPr lang="zh-TW" altLang="en-US" sz="5400" b="1" dirty="0">
-                <a:latin typeface="微軟正黑體" pitchFamily="34" charset="-120"/>
-                <a:ea typeface="微軟正黑體" pitchFamily="34" charset="-120"/>
-              </a:rPr>
-              <a:t>能夠發現在世間只是</a:t>
-            </a:r>
-            <a:r>
-              <a:rPr lang="zh-TW" altLang="en-US" sz="5400" b="1" dirty="0" smtClean="0">
-                <a:latin typeface="微軟正黑體" pitchFamily="34" charset="-120"/>
-                <a:ea typeface="微軟正黑體" pitchFamily="34" charset="-120"/>
-              </a:rPr>
-              <a:t>寄居</a:t>
-            </a:r>
-            <a:endParaRPr lang="en-US" altLang="zh-TW" sz="5400" b="1" dirty="0">
-              <a:latin typeface="微軟正黑體" pitchFamily="34" charset="-120"/>
-              <a:ea typeface="微軟正黑體" pitchFamily="34" charset="-120"/>
-            </a:endParaRPr>
-          </a:p>
-          <a:p>
-            <a:pPr algn="ctr">
-              <a:buNone/>
-            </a:pPr>
-            <a:r>
-              <a:rPr lang="zh-TW" altLang="en-US" sz="5400" b="1" dirty="0" smtClean="0">
-                <a:latin typeface="微軟正黑體" pitchFamily="34" charset="-120"/>
-                <a:ea typeface="微軟正黑體" pitchFamily="34" charset="-120"/>
-              </a:rPr>
-              <a:t>朝</a:t>
-            </a:r>
-            <a:r>
-              <a:rPr lang="zh-TW" altLang="en-US" sz="5400" b="1" dirty="0">
-                <a:latin typeface="微軟正黑體" pitchFamily="34" charset="-120"/>
-                <a:ea typeface="微軟正黑體" pitchFamily="34" charset="-120"/>
-              </a:rPr>
-              <a:t>更美家鄉走回去</a:t>
-            </a:r>
-          </a:p>
-        </p:txBody>
-      </p:sp>
-    </p:spTree>
-  </p:cSld>
-  <p:clrMapOvr>
-    <a:masterClrMapping/>
-  </p:clrMapOvr>
 </p:sld>
 </file>
 
